--- a/materials/slides/ch04-2.pptx
+++ b/materials/slides/ch04-2.pptx
@@ -132,7 +132,7 @@
   </p:defaultTextStyle>
   <p:extLst>
     <p:ext uri="{EFAFB233-063F-42B5-8137-9DF3F51BA10A}">
-      <p15:sldGuideLst xmlns:p15="http://schemas.microsoft.com/office/powerpoint/2012/main">
+      <p15:sldGuideLst xmlns:p15="http://schemas.microsoft.com/office/powerpoint/2012/main" xmlns="">
         <p15:guide id="1" orient="horz" pos="2160" userDrawn="1">
           <p15:clr>
             <a:srgbClr val="A4A3A4"/>
@@ -154,7 +154,7 @@
   <p:cmAuthor id="1" name="Eetze" initials="E" lastIdx="1" clrIdx="0">
     <p:extLst>
       <p:ext uri="{19B8F6BF-5375-455C-9EA6-DF929625EA0E}">
-        <p15:presenceInfo xmlns:p15="http://schemas.microsoft.com/office/powerpoint/2012/main" userId="Eetze" providerId="None"/>
+        <p15:presenceInfo xmlns:p15="http://schemas.microsoft.com/office/powerpoint/2012/main" xmlns="" userId="Eetze" providerId="None"/>
       </p:ext>
     </p:extLst>
   </p:cmAuthor>
@@ -243,7 +243,7 @@
           <a:p>
             <a:fld id="{A097A4FE-15A4-4468-9890-CEB24014ACB3}" type="datetimeFigureOut">
               <a:rPr lang="zh-CN" altLang="en-US" smtClean="0"/>
-              <a:t>2018/3/20</a:t>
+              <a:t>2018/10/23</a:t>
             </a:fld>
             <a:endParaRPr lang="zh-CN" altLang="en-US"/>
           </a:p>
@@ -649,15 +649,12 @@
           <a:lstStyle/>
           <a:p>
             <a:r>
+              <a:rPr lang="zh-CN" altLang="en-US" smtClean="0"/>
+              <a:t>默认</a:t>
+            </a:r>
+            <a:r>
               <a:rPr lang="zh-CN" altLang="en-US" dirty="0" smtClean="0"/>
-              <a:t>此例子有问题？？？</a:t>
-            </a:r>
-            <a:endParaRPr lang="en-US" altLang="zh-CN" dirty="0" smtClean="0"/>
-          </a:p>
-          <a:p>
-            <a:r>
-              <a:rPr lang="zh-CN" altLang="en-US" dirty="0" smtClean="0"/>
-              <a:t>默认情况下：输入框会自动保存状态数据；只有当内存耗尽时，释放当前</a:t>
+              <a:t>情况下：输入框会自动保存状态数据；只有当内存耗尽时，释放当前</a:t>
             </a:r>
             <a:r>
               <a:rPr lang="en-US" altLang="zh-CN" dirty="0" smtClean="0"/>
@@ -2028,7 +2025,7 @@
           <a:p>
             <a:fld id="{530820CF-B880-4189-942D-D702A7CBA730}" type="datetimeFigureOut">
               <a:rPr lang="zh-CN" altLang="en-US" smtClean="0"/>
-              <a:t>2018/3/20</a:t>
+              <a:t>2018/10/23</a:t>
             </a:fld>
             <a:endParaRPr lang="zh-CN" altLang="en-US"/>
           </a:p>
@@ -2147,7 +2144,7 @@
           <a:p>
             <a:fld id="{530820CF-B880-4189-942D-D702A7CBA730}" type="datetimeFigureOut">
               <a:rPr lang="zh-CN" altLang="en-US" smtClean="0"/>
-              <a:t>2018/3/20</a:t>
+              <a:t>2018/10/23</a:t>
             </a:fld>
             <a:endParaRPr lang="zh-CN" altLang="en-US"/>
           </a:p>
@@ -2550,7 +2547,7 @@
           <a:p>
             <a:fld id="{530820CF-B880-4189-942D-D702A7CBA730}" type="datetimeFigureOut">
               <a:rPr lang="zh-CN" altLang="en-US" smtClean="0"/>
-              <a:t>2018/3/20</a:t>
+              <a:t>2018/10/23</a:t>
             </a:fld>
             <a:endParaRPr lang="zh-CN" altLang="en-US"/>
           </a:p>
@@ -6268,18 +6265,7 @@
                   </a:schemeClr>
                 </a:solidFill>
               </a:rPr>
-              <a:t>实现状态切换之间用户信息</a:t>
-            </a:r>
-            <a:r>
-              <a:rPr lang="zh-CN" altLang="en-US" smtClean="0">
-                <a:solidFill>
-                  <a:schemeClr val="tx1">
-                    <a:lumMod val="85000"/>
-                    <a:lumOff val="15000"/>
-                  </a:schemeClr>
-                </a:solidFill>
-              </a:rPr>
-              <a:t>的维持。</a:t>
+              <a:t>实现状态切换之间用户信息的维持。</a:t>
             </a:r>
             <a:endParaRPr lang="en-US" altLang="zh-CN" dirty="0" smtClean="0">
               <a:solidFill>
@@ -6306,18 +6292,7 @@
                   </a:schemeClr>
                 </a:solidFill>
               </a:rPr>
-              <a:t>首先用户在输入框中输入</a:t>
-            </a:r>
-            <a:r>
-              <a:rPr lang="zh-CN" altLang="en-US" sz="3200" smtClean="0">
-                <a:solidFill>
-                  <a:schemeClr val="tx1">
-                    <a:lumMod val="85000"/>
-                    <a:lumOff val="15000"/>
-                  </a:schemeClr>
-                </a:solidFill>
-              </a:rPr>
-              <a:t>一段文本；</a:t>
+              <a:t>首先用户在输入框中输入一段文本；</a:t>
             </a:r>
             <a:endParaRPr lang="en-US" altLang="zh-CN" sz="3200" dirty="0" smtClean="0">
               <a:solidFill>
@@ -6388,18 +6363,29 @@
                   </a:schemeClr>
                 </a:solidFill>
               </a:rPr>
-              <a:t>状态由活动状态切换为暂停</a:t>
-            </a:r>
-            <a:r>
-              <a:rPr lang="zh-CN" altLang="en-US" sz="3200" smtClean="0">
-                <a:solidFill>
-                  <a:schemeClr val="tx1">
-                    <a:lumMod val="85000"/>
-                    <a:lumOff val="15000"/>
-                  </a:schemeClr>
-                </a:solidFill>
-              </a:rPr>
-              <a:t>状态）；</a:t>
+              <a:t>状态由活动状态切换</a:t>
+            </a:r>
+            <a:r>
+              <a:rPr lang="zh-CN" altLang="en-US" sz="3200" dirty="0" smtClean="0">
+                <a:solidFill>
+                  <a:schemeClr val="tx1">
+                    <a:lumMod val="85000"/>
+                    <a:lumOff val="15000"/>
+                  </a:schemeClr>
+                </a:solidFill>
+              </a:rPr>
+              <a:t>为停止状态</a:t>
+            </a:r>
+            <a:r>
+              <a:rPr lang="zh-CN" altLang="en-US" sz="3200" dirty="0" smtClean="0">
+                <a:solidFill>
+                  <a:schemeClr val="tx1">
+                    <a:lumMod val="85000"/>
+                    <a:lumOff val="15000"/>
+                  </a:schemeClr>
+                </a:solidFill>
+              </a:rPr>
+              <a:t>）；</a:t>
             </a:r>
             <a:endParaRPr lang="en-US" altLang="zh-CN" sz="3200" dirty="0" smtClean="0">
               <a:solidFill>
@@ -6440,6 +6426,28 @@
               <a:t>Activity</a:t>
             </a:r>
             <a:r>
+              <a:rPr lang="zh-CN" altLang="en-US" sz="3200" smtClean="0">
+                <a:solidFill>
+                  <a:schemeClr val="tx1">
+                    <a:lumMod val="85000"/>
+                    <a:lumOff val="15000"/>
+                  </a:schemeClr>
+                </a:solidFill>
+              </a:rPr>
+              <a:t>状态</a:t>
+            </a:r>
+            <a:r>
+              <a:rPr lang="zh-CN" altLang="en-US" sz="3200" smtClean="0">
+                <a:solidFill>
+                  <a:schemeClr val="tx1">
+                    <a:lumMod val="85000"/>
+                    <a:lumOff val="15000"/>
+                  </a:schemeClr>
+                </a:solidFill>
+              </a:rPr>
+              <a:t>由停止状态</a:t>
+            </a:r>
+            <a:r>
               <a:rPr lang="zh-CN" altLang="en-US" sz="3200" dirty="0" smtClean="0">
                 <a:solidFill>
                   <a:schemeClr val="tx1">
@@ -6448,18 +6456,7 @@
                   </a:schemeClr>
                 </a:solidFill>
               </a:rPr>
-              <a:t>状态由暂停状态切换为活动</a:t>
-            </a:r>
-            <a:r>
-              <a:rPr lang="zh-CN" altLang="en-US" sz="3200" smtClean="0">
-                <a:solidFill>
-                  <a:schemeClr val="tx1">
-                    <a:lumMod val="85000"/>
-                    <a:lumOff val="15000"/>
-                  </a:schemeClr>
-                </a:solidFill>
-              </a:rPr>
-              <a:t>状态）。</a:t>
+              <a:t>切换为活动状态）。</a:t>
             </a:r>
             <a:endParaRPr lang="en-US" altLang="zh-CN" sz="3200" dirty="0" smtClean="0">
               <a:solidFill>
@@ -7068,7 +7065,7 @@
 </file>
 
 <file path=ppt/slides/slide15.xml><?xml version="1.0" encoding="utf-8"?>
-<p:sld xmlns:a="http://schemas.openxmlformats.org/drawingml/2006/main" xmlns:r="http://schemas.openxmlformats.org/officeDocument/2006/relationships" xmlns:p="http://schemas.openxmlformats.org/presentationml/2006/main" show="0">
+<p:sld xmlns:a="http://schemas.openxmlformats.org/drawingml/2006/main" xmlns:r="http://schemas.openxmlformats.org/officeDocument/2006/relationships" xmlns:p="http://schemas.openxmlformats.org/presentationml/2006/main">
   <p:cSld>
     <p:spTree>
       <p:nvGrpSpPr>
@@ -7237,7 +7234,7 @@
               <a:defRPr/>
             </a:pPr>
             <a:r>
-              <a:rPr lang="zh-CN" altLang="en-US" sz="3200" smtClean="0">
+              <a:rPr lang="zh-CN" altLang="en-US" sz="3200" dirty="0" smtClean="0">
                 <a:solidFill>
                   <a:schemeClr val="tx1">
                     <a:lumMod val="85000"/>
@@ -7248,18 +7245,29 @@
               <a:t>借助 </a:t>
             </a:r>
             <a:r>
-              <a:rPr lang="en-US" altLang="zh-CN" sz="3200" smtClean="0">
-                <a:solidFill>
-                  <a:schemeClr val="tx1">
-                    <a:lumMod val="85000"/>
-                    <a:lumOff val="15000"/>
-                  </a:schemeClr>
-                </a:solidFill>
-              </a:rPr>
-              <a:t>onSaveInstanceState( ) </a:t>
-            </a:r>
-            <a:r>
-              <a:rPr lang="zh-CN" altLang="en-US" sz="3200" smtClean="0">
+              <a:rPr lang="en-US" altLang="zh-CN" sz="3200" dirty="0" err="1" smtClean="0">
+                <a:solidFill>
+                  <a:schemeClr val="tx1">
+                    <a:lumMod val="85000"/>
+                    <a:lumOff val="15000"/>
+                  </a:schemeClr>
+                </a:solidFill>
+              </a:rPr>
+              <a:t>onSaveInstanceState</a:t>
+            </a:r>
+            <a:r>
+              <a:rPr lang="en-US" altLang="zh-CN" sz="3200" dirty="0" smtClean="0">
+                <a:solidFill>
+                  <a:schemeClr val="tx1">
+                    <a:lumMod val="85000"/>
+                    <a:lumOff val="15000"/>
+                  </a:schemeClr>
+                </a:solidFill>
+              </a:rPr>
+              <a:t>( ) </a:t>
+            </a:r>
+            <a:r>
+              <a:rPr lang="zh-CN" altLang="en-US" sz="3200" dirty="0" smtClean="0">
                 <a:solidFill>
                   <a:schemeClr val="tx1">
                     <a:lumMod val="85000"/>
@@ -7270,26 +7278,26 @@
               <a:t>和 </a:t>
             </a:r>
             <a:r>
-              <a:rPr lang="en-US" altLang="zh-CN" sz="3200" smtClean="0">
-                <a:solidFill>
-                  <a:schemeClr val="tx1">
-                    <a:lumMod val="85000"/>
-                    <a:lumOff val="15000"/>
-                  </a:schemeClr>
-                </a:solidFill>
-              </a:rPr>
-              <a:t>onRestoreInstanceState( ) </a:t>
-            </a:r>
-            <a:r>
-              <a:rPr lang="zh-CN" altLang="en-US" sz="3200" smtClean="0">
-                <a:solidFill>
-                  <a:schemeClr val="tx1">
-                    <a:lumMod val="85000"/>
-                    <a:lumOff val="15000"/>
-                  </a:schemeClr>
-                </a:solidFill>
-              </a:rPr>
-              <a:t>方法</a:t>
+              <a:rPr lang="en-US" altLang="zh-CN" sz="3200" dirty="0" err="1" smtClean="0">
+                <a:solidFill>
+                  <a:schemeClr val="tx1">
+                    <a:lumMod val="85000"/>
+                    <a:lumOff val="15000"/>
+                  </a:schemeClr>
+                </a:solidFill>
+              </a:rPr>
+              <a:t>onRestoreInstanceState</a:t>
+            </a:r>
+            <a:r>
+              <a:rPr lang="en-US" altLang="zh-CN" sz="3200" dirty="0" smtClean="0">
+                <a:solidFill>
+                  <a:schemeClr val="tx1">
+                    <a:lumMod val="85000"/>
+                    <a:lumOff val="15000"/>
+                  </a:schemeClr>
+                </a:solidFill>
+              </a:rPr>
+              <a:t>( ) </a:t>
             </a:r>
             <a:r>
               <a:rPr lang="zh-CN" altLang="en-US" sz="3200" dirty="0" smtClean="0">
@@ -7300,7 +7308,7 @@
                   </a:schemeClr>
                 </a:solidFill>
               </a:rPr>
-              <a:t>实现</a:t>
+              <a:t>方法实现</a:t>
             </a:r>
             <a:endParaRPr lang="en-US" altLang="zh-CN" sz="3200" dirty="0" smtClean="0">
               <a:solidFill>
@@ -7422,21 +7430,10 @@
                   </a:schemeClr>
                 </a:solidFill>
               </a:rPr>
-              <a:t>（若</a:t>
-            </a:r>
-            <a:r>
-              <a:rPr lang="zh-CN" altLang="en-US" sz="2800" smtClean="0">
-                <a:solidFill>
-                  <a:schemeClr val="tx1">
-                    <a:lumMod val="85000"/>
-                    <a:lumOff val="15000"/>
-                  </a:schemeClr>
-                </a:solidFill>
-              </a:rPr>
-              <a:t>用户点击</a:t>
-            </a:r>
-            <a:r>
-              <a:rPr lang="en-US" altLang="zh-CN" sz="2800" smtClean="0">
+              <a:t>（若用户点击</a:t>
+            </a:r>
+            <a:r>
+              <a:rPr lang="en-US" altLang="zh-CN" sz="2800" dirty="0" smtClean="0">
                 <a:solidFill>
                   <a:schemeClr val="tx1">
                     <a:lumMod val="85000"/>
@@ -7447,7 +7444,7 @@
               <a:t>"</a:t>
             </a:r>
             <a:r>
-              <a:rPr lang="zh-CN" altLang="en-US" sz="2800" smtClean="0">
+              <a:rPr lang="zh-CN" altLang="en-US" sz="2800" dirty="0" smtClean="0">
                 <a:solidFill>
                   <a:schemeClr val="tx1">
                     <a:lumMod val="85000"/>
@@ -7458,7 +7455,7 @@
               <a:t>返回</a:t>
             </a:r>
             <a:r>
-              <a:rPr lang="en-US" altLang="zh-CN" sz="2800" smtClean="0">
+              <a:rPr lang="en-US" altLang="zh-CN" sz="2800" dirty="0" smtClean="0">
                 <a:solidFill>
                   <a:schemeClr val="tx1">
                     <a:lumMod val="85000"/>
@@ -7469,17 +7466,6 @@
               <a:t>"</a:t>
             </a:r>
             <a:r>
-              <a:rPr lang="zh-CN" altLang="en-US" sz="2800" smtClean="0">
-                <a:solidFill>
-                  <a:schemeClr val="tx1">
-                    <a:lumMod val="85000"/>
-                    <a:lumOff val="15000"/>
-                  </a:schemeClr>
-                </a:solidFill>
-              </a:rPr>
-              <a:t>键退出</a:t>
-            </a:r>
-            <a:r>
               <a:rPr lang="zh-CN" altLang="en-US" sz="2800" dirty="0" smtClean="0">
                 <a:solidFill>
                   <a:schemeClr val="tx1">
@@ -7488,7 +7474,7 @@
                   </a:schemeClr>
                 </a:solidFill>
               </a:rPr>
-              <a:t>当前</a:t>
+              <a:t>键退出当前</a:t>
             </a:r>
             <a:r>
               <a:rPr lang="en-US" altLang="zh-CN" sz="2800" dirty="0" smtClean="0">
@@ -7510,21 +7496,10 @@
                   </a:schemeClr>
                 </a:solidFill>
               </a:rPr>
-              <a:t>，则此时不会调用该</a:t>
-            </a:r>
-            <a:r>
-              <a:rPr lang="zh-CN" altLang="en-US" sz="2800" smtClean="0">
-                <a:solidFill>
-                  <a:schemeClr val="tx1">
-                    <a:lumMod val="85000"/>
-                    <a:lumOff val="15000"/>
-                  </a:schemeClr>
-                </a:solidFill>
-              </a:rPr>
-              <a:t>方法）</a:t>
-            </a:r>
-            <a:r>
-              <a:rPr lang="zh-CN" altLang="en-US" sz="2800">
+              <a:t>，则此时不会调用该方法）</a:t>
+            </a:r>
+            <a:r>
+              <a:rPr lang="zh-CN" altLang="en-US" sz="2800" dirty="0">
                 <a:solidFill>
                   <a:schemeClr val="tx1">
                     <a:lumMod val="85000"/>
@@ -20137,7 +20112,7 @@
           <a:graphicData uri="http://schemas.openxmlformats.org/presentationml/2006/ole">
             <mc:AlternateContent xmlns:mc="http://schemas.openxmlformats.org/markup-compatibility/2006">
               <mc:Choice xmlns:v="urn:schemas-microsoft-com:vml" Requires="v">
-                <p:oleObj spid="_x0000_s1068" name="Visio" r:id="rId3" imgW="5562476" imgH="3476822" progId="Visio.Drawing.11">
+                <p:oleObj spid="_x0000_s1072" name="Visio" r:id="rId3" imgW="5562476" imgH="3476822" progId="Visio.Drawing.11">
                   <p:embed/>
                 </p:oleObj>
               </mc:Choice>
